--- a/ppt/test.pptx
+++ b/ppt/test.pptx
@@ -8,6 +8,7 @@
     <p:sldId id="257" r:id="rId3"/>
     <p:sldId id="258" r:id="rId4"/>
     <p:sldId id="259" r:id="rId5"/>
+    <p:sldId id="260" r:id="rId6"/>
   </p:sldIdLst>
   <p:sldSz cx="12192000" cy="6858000"/>
   <p:notesSz cx="7103745" cy="10234295"/>
@@ -2357,7 +2358,7 @@
         <a:spcBef>
           <a:spcPts val="1000"/>
         </a:spcBef>
-        <a:buFont typeface="Arial" panose="020B0604020202090204" pitchFamily="34" charset="0"/>
+        <a:buFont typeface="Arial" panose="020B0604020202020204" pitchFamily="34" charset="0"/>
         <a:buChar char="•"/>
         <a:defRPr sz="2800" kern="1200">
           <a:solidFill>
@@ -2375,7 +2376,7 @@
         <a:spcBef>
           <a:spcPts val="500"/>
         </a:spcBef>
-        <a:buFont typeface="Arial" panose="020B0604020202090204" pitchFamily="34" charset="0"/>
+        <a:buFont typeface="Arial" panose="020B0604020202020204" pitchFamily="34" charset="0"/>
         <a:buChar char="•"/>
         <a:defRPr sz="2400" kern="1200">
           <a:solidFill>
@@ -2393,7 +2394,7 @@
         <a:spcBef>
           <a:spcPts val="500"/>
         </a:spcBef>
-        <a:buFont typeface="Arial" panose="020B0604020202090204" pitchFamily="34" charset="0"/>
+        <a:buFont typeface="Arial" panose="020B0604020202020204" pitchFamily="34" charset="0"/>
         <a:buChar char="•"/>
         <a:defRPr sz="2000" kern="1200">
           <a:solidFill>
@@ -2411,7 +2412,7 @@
         <a:spcBef>
           <a:spcPts val="500"/>
         </a:spcBef>
-        <a:buFont typeface="Arial" panose="020B0604020202090204" pitchFamily="34" charset="0"/>
+        <a:buFont typeface="Arial" panose="020B0604020202020204" pitchFamily="34" charset="0"/>
         <a:buChar char="•"/>
         <a:defRPr sz="1800" kern="1200">
           <a:solidFill>
@@ -2429,7 +2430,7 @@
         <a:spcBef>
           <a:spcPts val="500"/>
         </a:spcBef>
-        <a:buFont typeface="Arial" panose="020B0604020202090204" pitchFamily="34" charset="0"/>
+        <a:buFont typeface="Arial" panose="020B0604020202020204" pitchFamily="34" charset="0"/>
         <a:buChar char="•"/>
         <a:defRPr sz="1800" kern="1200">
           <a:solidFill>
@@ -2447,7 +2448,7 @@
         <a:spcBef>
           <a:spcPts val="500"/>
         </a:spcBef>
-        <a:buFont typeface="Arial" panose="020B0604020202090204" pitchFamily="34" charset="0"/>
+        <a:buFont typeface="Arial" panose="020B0604020202020204" pitchFamily="34" charset="0"/>
         <a:buChar char="•"/>
         <a:defRPr sz="1800" kern="1200">
           <a:solidFill>
@@ -2465,7 +2466,7 @@
         <a:spcBef>
           <a:spcPts val="500"/>
         </a:spcBef>
-        <a:buFont typeface="Arial" panose="020B0604020202090204" pitchFamily="34" charset="0"/>
+        <a:buFont typeface="Arial" panose="020B0604020202020204" pitchFamily="34" charset="0"/>
         <a:buChar char="•"/>
         <a:defRPr sz="1800" kern="1200">
           <a:solidFill>
@@ -2483,7 +2484,7 @@
         <a:spcBef>
           <a:spcPts val="500"/>
         </a:spcBef>
-        <a:buFont typeface="Arial" panose="020B0604020202090204" pitchFamily="34" charset="0"/>
+        <a:buFont typeface="Arial" panose="020B0604020202020204" pitchFamily="34" charset="0"/>
         <a:buChar char="•"/>
         <a:defRPr sz="1800" kern="1200">
           <a:solidFill>
@@ -2501,7 +2502,7 @@
         <a:spcBef>
           <a:spcPts val="500"/>
         </a:spcBef>
-        <a:buFont typeface="Arial" panose="020B0604020202090204" pitchFamily="34" charset="0"/>
+        <a:buFont typeface="Arial" panose="020B0604020202020204" pitchFamily="34" charset="0"/>
         <a:buChar char="•"/>
         <a:defRPr sz="1800" kern="1200">
           <a:solidFill>
@@ -2684,31 +2685,55 @@
         <a:gradFill>
           <a:gsLst>
             <a:gs pos="0">
-              <a:schemeClr val="accent1">
-                <a:lumMod val="5000"/>
-                <a:lumOff val="95000"/>
-              </a:schemeClr>
-            </a:gs>
-            <a:gs pos="74000">
-              <a:schemeClr val="accent1">
-                <a:lumMod val="45000"/>
-                <a:lumOff val="55000"/>
-              </a:schemeClr>
-            </a:gs>
-            <a:gs pos="83000">
-              <a:schemeClr val="accent1">
-                <a:lumMod val="45000"/>
-                <a:lumOff val="55000"/>
-              </a:schemeClr>
+              <a:srgbClr val="E30000"/>
             </a:gs>
             <a:gs pos="100000">
-              <a:schemeClr val="accent1">
-                <a:lumMod val="30000"/>
-                <a:lumOff val="70000"/>
-              </a:schemeClr>
+              <a:srgbClr val="760303"/>
             </a:gs>
           </a:gsLst>
           <a:lin ang="5400000" scaled="0"/>
+        </a:gradFill>
+        <a:effectLst/>
+      </p:bgPr>
+    </p:bg>
+    <p:spTree>
+      <p:nvGrpSpPr>
+        <p:cNvPr id="1" name=""/>
+        <p:cNvGrpSpPr/>
+        <p:nvPr/>
+      </p:nvGrpSpPr>
+      <p:grpSpPr/>
+    </p:spTree>
+  </p:cSld>
+  <p:clrMapOvr>
+    <a:masterClrMapping/>
+  </p:clrMapOvr>
+</p:sld>
+</file>
+
+<file path=ppt/slides/slide4.xml><?xml version="1.0" encoding="utf-8"?>
+<p:sld xmlns:a="http://schemas.openxmlformats.org/drawingml/2006/main" xmlns:r="http://schemas.openxmlformats.org/officeDocument/2006/relationships" xmlns:p="http://schemas.openxmlformats.org/presentationml/2006/main">
+  <p:cSld>
+    <p:bg>
+      <p:bgPr>
+        <a:gradFill>
+          <a:gsLst>
+            <a:gs pos="50000">
+              <a:srgbClr val="D87085"/>
+            </a:gs>
+            <a:gs pos="0">
+              <a:srgbClr val="00B0F0"/>
+            </a:gs>
+            <a:gs pos="100000">
+              <a:srgbClr val="CA405C">
+                <a:alpha val="36000"/>
+              </a:srgbClr>
+            </a:gs>
+          </a:gsLst>
+          <a:path path="circle">
+            <a:fillToRect l="50000" t="50000" r="50000" b="50000"/>
+          </a:path>
+          <a:tileRect/>
         </a:gradFill>
         <a:effectLst/>
       </p:bgPr>
